--- a/TP presentation.pptx
+++ b/TP presentation.pptx
@@ -3822,6 +3822,42 @@
           </a:prstGeom>
         </p:spPr>
       </p:pic>
+      <p:pic>
+        <p:nvPicPr>
+          <p:cNvPr id="15" name="Picture 14">
+            <a:extLst>
+              <a:ext uri="{FF2B5EF4-FFF2-40B4-BE49-F238E27FC236}">
+                <a16:creationId xmlns:a16="http://schemas.microsoft.com/office/drawing/2014/main" id="{04F22C5D-E08E-0E1C-D742-D80B828FA10C}"/>
+              </a:ext>
+            </a:extLst>
+          </p:cNvPr>
+          <p:cNvPicPr>
+            <a:picLocks noChangeAspect="1"/>
+          </p:cNvPicPr>
+          <p:nvPr/>
+        </p:nvPicPr>
+        <p:blipFill>
+          <a:blip r:embed="rId3">
+            <a:extLst>
+              <a:ext uri="{28A0092B-C50C-407E-A947-70E740481C1C}">
+                <a14:useLocalDpi xmlns:a14="http://schemas.microsoft.com/office/drawing/2010/main" val="0"/>
+              </a:ext>
+            </a:extLst>
+          </a:blip>
+          <a:stretch>
+            <a:fillRect/>
+          </a:stretch>
+        </p:blipFill>
+        <p:spPr>
+          <a:xfrm>
+            <a:off x="3834802" y="3429000"/>
+            <a:ext cx="5056360" cy="5056360"/>
+          </a:xfrm>
+          <a:prstGeom prst="rect">
+            <a:avLst/>
+          </a:prstGeom>
+        </p:spPr>
+      </p:pic>
       <p:sp>
         <p:nvSpPr>
           <p:cNvPr id="2" name="Title 1">
@@ -3877,6 +3913,331 @@
               <a:rPr lang="en-GB" dirty="0"/>
               <a:t>Character animation</a:t>
             </a:r>
+          </a:p>
+        </p:txBody>
+      </p:sp>
+      <p:pic>
+        <p:nvPicPr>
+          <p:cNvPr id="5" name="Picture 4">
+            <a:extLst>
+              <a:ext uri="{FF2B5EF4-FFF2-40B4-BE49-F238E27FC236}">
+                <a16:creationId xmlns:a16="http://schemas.microsoft.com/office/drawing/2014/main" id="{C922540B-5A41-98A3-46A4-327D8F797373}"/>
+              </a:ext>
+            </a:extLst>
+          </p:cNvPr>
+          <p:cNvPicPr>
+            <a:picLocks noChangeAspect="1"/>
+          </p:cNvPicPr>
+          <p:nvPr/>
+        </p:nvPicPr>
+        <p:blipFill>
+          <a:blip r:embed="rId4">
+            <a:extLst>
+              <a:ext uri="{28A0092B-C50C-407E-A947-70E740481C1C}">
+                <a14:useLocalDpi xmlns:a14="http://schemas.microsoft.com/office/drawing/2010/main" val="0"/>
+              </a:ext>
+            </a:extLst>
+          </a:blip>
+          <a:stretch>
+            <a:fillRect/>
+          </a:stretch>
+        </p:blipFill>
+        <p:spPr>
+          <a:xfrm>
+            <a:off x="322028" y="3123969"/>
+            <a:ext cx="5613277" cy="5613277"/>
+          </a:xfrm>
+          <a:prstGeom prst="rect">
+            <a:avLst/>
+          </a:prstGeom>
+        </p:spPr>
+      </p:pic>
+      <p:pic>
+        <p:nvPicPr>
+          <p:cNvPr id="7" name="Picture 6">
+            <a:extLst>
+              <a:ext uri="{FF2B5EF4-FFF2-40B4-BE49-F238E27FC236}">
+                <a16:creationId xmlns:a16="http://schemas.microsoft.com/office/drawing/2014/main" id="{AA71805E-DD17-FA07-38AD-CA227477018C}"/>
+              </a:ext>
+            </a:extLst>
+          </p:cNvPr>
+          <p:cNvPicPr>
+            <a:picLocks noChangeAspect="1"/>
+          </p:cNvPicPr>
+          <p:nvPr/>
+        </p:nvPicPr>
+        <p:blipFill>
+          <a:blip r:embed="rId5">
+            <a:extLst>
+              <a:ext uri="{28A0092B-C50C-407E-A947-70E740481C1C}">
+                <a14:useLocalDpi xmlns:a14="http://schemas.microsoft.com/office/drawing/2010/main" val="0"/>
+              </a:ext>
+            </a:extLst>
+          </a:blip>
+          <a:stretch>
+            <a:fillRect/>
+          </a:stretch>
+        </p:blipFill>
+        <p:spPr>
+          <a:xfrm>
+            <a:off x="3724567" y="878504"/>
+            <a:ext cx="5268885" cy="5268885"/>
+          </a:xfrm>
+          <a:prstGeom prst="rect">
+            <a:avLst/>
+          </a:prstGeom>
+        </p:spPr>
+      </p:pic>
+      <p:pic>
+        <p:nvPicPr>
+          <p:cNvPr id="9" name="Picture 8">
+            <a:extLst>
+              <a:ext uri="{FF2B5EF4-FFF2-40B4-BE49-F238E27FC236}">
+                <a16:creationId xmlns:a16="http://schemas.microsoft.com/office/drawing/2014/main" id="{CD67FA00-9E3C-1F08-FEBE-5201B22FD8DC}"/>
+              </a:ext>
+            </a:extLst>
+          </p:cNvPr>
+          <p:cNvPicPr>
+            <a:picLocks noChangeAspect="1"/>
+          </p:cNvPicPr>
+          <p:nvPr/>
+        </p:nvPicPr>
+        <p:blipFill>
+          <a:blip r:embed="rId6">
+            <a:extLst>
+              <a:ext uri="{28A0092B-C50C-407E-A947-70E740481C1C}">
+                <a14:useLocalDpi xmlns:a14="http://schemas.microsoft.com/office/drawing/2010/main" val="0"/>
+              </a:ext>
+            </a:extLst>
+          </a:blip>
+          <a:stretch>
+            <a:fillRect/>
+          </a:stretch>
+        </p:blipFill>
+        <p:spPr>
+          <a:xfrm>
+            <a:off x="6985440" y="975611"/>
+            <a:ext cx="5410551" cy="5410551"/>
+          </a:xfrm>
+          <a:prstGeom prst="rect">
+            <a:avLst/>
+          </a:prstGeom>
+        </p:spPr>
+      </p:pic>
+      <p:pic>
+        <p:nvPicPr>
+          <p:cNvPr id="11" name="Picture 10">
+            <a:extLst>
+              <a:ext uri="{FF2B5EF4-FFF2-40B4-BE49-F238E27FC236}">
+                <a16:creationId xmlns:a16="http://schemas.microsoft.com/office/drawing/2014/main" id="{90C90A6F-DC18-06AF-225D-504C4C16E293}"/>
+              </a:ext>
+            </a:extLst>
+          </p:cNvPr>
+          <p:cNvPicPr>
+            <a:picLocks noChangeAspect="1"/>
+          </p:cNvPicPr>
+          <p:nvPr/>
+        </p:nvPicPr>
+        <p:blipFill>
+          <a:blip r:embed="rId7">
+            <a:extLst>
+              <a:ext uri="{28A0092B-C50C-407E-A947-70E740481C1C}">
+                <a14:useLocalDpi xmlns:a14="http://schemas.microsoft.com/office/drawing/2010/main" val="0"/>
+              </a:ext>
+            </a:extLst>
+          </a:blip>
+          <a:stretch>
+            <a:fillRect/>
+          </a:stretch>
+        </p:blipFill>
+        <p:spPr>
+          <a:xfrm>
+            <a:off x="684162" y="923135"/>
+            <a:ext cx="5056361" cy="5056361"/>
+          </a:xfrm>
+          <a:prstGeom prst="rect">
+            <a:avLst/>
+          </a:prstGeom>
+        </p:spPr>
+      </p:pic>
+      <p:pic>
+        <p:nvPicPr>
+          <p:cNvPr id="13" name="Picture 12">
+            <a:extLst>
+              <a:ext uri="{FF2B5EF4-FFF2-40B4-BE49-F238E27FC236}">
+                <a16:creationId xmlns:a16="http://schemas.microsoft.com/office/drawing/2014/main" id="{13B9FE75-1863-5EC1-521E-D9D005D3844F}"/>
+              </a:ext>
+            </a:extLst>
+          </p:cNvPr>
+          <p:cNvPicPr>
+            <a:picLocks noChangeAspect="1"/>
+          </p:cNvPicPr>
+          <p:nvPr/>
+        </p:nvPicPr>
+        <p:blipFill>
+          <a:blip r:embed="rId8">
+            <a:extLst>
+              <a:ext uri="{28A0092B-C50C-407E-A947-70E740481C1C}">
+                <a14:useLocalDpi xmlns:a14="http://schemas.microsoft.com/office/drawing/2010/main" val="0"/>
+              </a:ext>
+            </a:extLst>
+          </a:blip>
+          <a:stretch>
+            <a:fillRect/>
+          </a:stretch>
+        </p:blipFill>
+        <p:spPr>
+          <a:xfrm>
+            <a:off x="7162535" y="3512946"/>
+            <a:ext cx="5056360" cy="5056360"/>
+          </a:xfrm>
+          <a:prstGeom prst="rect">
+            <a:avLst/>
+          </a:prstGeom>
+        </p:spPr>
+      </p:pic>
+      <p:sp>
+        <p:nvSpPr>
+          <p:cNvPr id="16" name="TextBox 15">
+            <a:extLst>
+              <a:ext uri="{FF2B5EF4-FFF2-40B4-BE49-F238E27FC236}">
+                <a16:creationId xmlns:a16="http://schemas.microsoft.com/office/drawing/2014/main" id="{F7EFFD21-3A6B-D8CE-62FF-FC75BC046736}"/>
+              </a:ext>
+            </a:extLst>
+          </p:cNvPr>
+          <p:cNvSpPr txBox="1"/>
+          <p:nvPr/>
+        </p:nvSpPr>
+        <p:spPr>
+          <a:xfrm>
+            <a:off x="8859143" y="1091029"/>
+            <a:ext cx="1347207" cy="523220"/>
+          </a:xfrm>
+          <a:prstGeom prst="rect">
+            <a:avLst/>
+          </a:prstGeom>
+          <a:noFill/>
+        </p:spPr>
+        <p:txBody>
+          <a:bodyPr wrap="square" rtlCol="0">
+            <a:spAutoFit/>
+          </a:bodyPr>
+          <a:lstStyle/>
+          <a:p>
+            <a:r>
+              <a:rPr lang="en-GB" sz="2800" dirty="0"/>
+              <a:t>Moving</a:t>
+            </a:r>
+            <a:endParaRPr lang="en-GB" dirty="0"/>
+          </a:p>
+        </p:txBody>
+      </p:sp>
+      <p:sp>
+        <p:nvSpPr>
+          <p:cNvPr id="17" name="TextBox 16">
+            <a:extLst>
+              <a:ext uri="{FF2B5EF4-FFF2-40B4-BE49-F238E27FC236}">
+                <a16:creationId xmlns:a16="http://schemas.microsoft.com/office/drawing/2014/main" id="{BD1D36D1-C7DE-929E-6A4C-AB31066FAF57}"/>
+              </a:ext>
+            </a:extLst>
+          </p:cNvPr>
+          <p:cNvSpPr txBox="1"/>
+          <p:nvPr/>
+        </p:nvSpPr>
+        <p:spPr>
+          <a:xfrm>
+            <a:off x="5689378" y="1091029"/>
+            <a:ext cx="1347207" cy="523220"/>
+          </a:xfrm>
+          <a:prstGeom prst="rect">
+            <a:avLst/>
+          </a:prstGeom>
+          <a:noFill/>
+        </p:spPr>
+        <p:txBody>
+          <a:bodyPr wrap="square" rtlCol="0">
+            <a:spAutoFit/>
+          </a:bodyPr>
+          <a:lstStyle/>
+          <a:p>
+            <a:r>
+              <a:rPr lang="en-GB" sz="2800" dirty="0"/>
+              <a:t>Turning</a:t>
+            </a:r>
+            <a:endParaRPr lang="en-GB" dirty="0"/>
+          </a:p>
+        </p:txBody>
+      </p:sp>
+      <p:sp>
+        <p:nvSpPr>
+          <p:cNvPr id="18" name="TextBox 17">
+            <a:extLst>
+              <a:ext uri="{FF2B5EF4-FFF2-40B4-BE49-F238E27FC236}">
+                <a16:creationId xmlns:a16="http://schemas.microsoft.com/office/drawing/2014/main" id="{543B3E4E-3441-9E45-9AED-B49749D03DD3}"/>
+              </a:ext>
+            </a:extLst>
+          </p:cNvPr>
+          <p:cNvSpPr txBox="1"/>
+          <p:nvPr/>
+        </p:nvSpPr>
+        <p:spPr>
+          <a:xfrm>
+            <a:off x="1175388" y="2818035"/>
+            <a:ext cx="847910" cy="523220"/>
+          </a:xfrm>
+          <a:prstGeom prst="rect">
+            <a:avLst/>
+          </a:prstGeom>
+          <a:noFill/>
+        </p:spPr>
+        <p:txBody>
+          <a:bodyPr wrap="square" rtlCol="0">
+            <a:spAutoFit/>
+          </a:bodyPr>
+          <a:lstStyle/>
+          <a:p>
+            <a:r>
+              <a:rPr lang="en-GB" sz="2800" dirty="0"/>
+              <a:t>Idle</a:t>
+            </a:r>
+            <a:endParaRPr lang="en-GB" dirty="0"/>
+          </a:p>
+        </p:txBody>
+      </p:sp>
+      <p:sp>
+        <p:nvSpPr>
+          <p:cNvPr id="19" name="TextBox 18">
+            <a:extLst>
+              <a:ext uri="{FF2B5EF4-FFF2-40B4-BE49-F238E27FC236}">
+                <a16:creationId xmlns:a16="http://schemas.microsoft.com/office/drawing/2014/main" id="{18B8D3A4-1628-34DF-D893-A2607224E4DC}"/>
+              </a:ext>
+            </a:extLst>
+          </p:cNvPr>
+          <p:cNvSpPr txBox="1"/>
+          <p:nvPr/>
+        </p:nvSpPr>
+        <p:spPr>
+          <a:xfrm>
+            <a:off x="290925" y="4976500"/>
+            <a:ext cx="2383507" cy="954107"/>
+          </a:xfrm>
+          <a:prstGeom prst="rect">
+            <a:avLst/>
+          </a:prstGeom>
+          <a:noFill/>
+        </p:spPr>
+        <p:txBody>
+          <a:bodyPr wrap="square" rtlCol="0">
+            <a:spAutoFit/>
+          </a:bodyPr>
+          <a:lstStyle/>
+          <a:p>
+            <a:pPr algn="ctr"/>
+            <a:r>
+              <a:rPr lang="en-GB" sz="2800" dirty="0"/>
+              <a:t>Return from position</a:t>
+            </a:r>
+            <a:endParaRPr lang="en-GB" dirty="0"/>
           </a:p>
         </p:txBody>
       </p:sp>
